--- a/Attendance.pptx
+++ b/Attendance.pptx
@@ -108,7 +108,27 @@
       </a:defRPr>
     </a:lvl9pPr>
   </p:defaultTextStyle>
+  <p:extLst>
+    <p:ext uri="{EFAFB233-063F-42B5-8137-9DF3F51BA10A}">
+      <p15:sldGuideLst xmlns:p15="http://schemas.microsoft.com/office/powerpoint/2012/main">
+        <p15:guide id="1" orient="horz" pos="2160">
+          <p15:clr>
+            <a:srgbClr val="A4A3A4"/>
+          </p15:clr>
+        </p15:guide>
+        <p15:guide id="2" pos="2880">
+          <p15:clr>
+            <a:srgbClr val="A4A3A4"/>
+          </p15:clr>
+        </p15:guide>
+      </p15:sldGuideLst>
+    </p:ext>
+  </p:extLst>
 </p:presentation>
+</file>
+
+<file path=ppt/revisionInfo.xml><?xml version="1.0" encoding="utf-8"?>
+<p1510:revInfo xmlns:a="http://schemas.openxmlformats.org/drawingml/2006/main" xmlns:r="http://schemas.openxmlformats.org/officeDocument/2006/relationships" xmlns:p1510="http://schemas.microsoft.com/office/powerpoint/2015/10/main"/>
 </file>
 
 <file path=ppt/slideLayouts/slideLayout1.xml><?xml version="1.0" encoding="utf-8"?>
@@ -149,10 +169,9 @@
           <a:lstStyle/>
           <a:p>
             <a:r>
-              <a:rPr lang="en-US" smtClean="0"/>
+              <a:rPr lang="en-US"/>
               <a:t>Click to edit Master title style</a:t>
             </a:r>
-            <a:endParaRPr lang="en-US"/>
           </a:p>
         </p:txBody>
       </p:sp>
@@ -268,10 +287,9 @@
           </a:lstStyle>
           <a:p>
             <a:r>
-              <a:rPr lang="en-US" smtClean="0"/>
+              <a:rPr lang="en-US"/>
               <a:t>Click to edit Master subtitle style</a:t>
             </a:r>
-            <a:endParaRPr lang="en-US"/>
           </a:p>
         </p:txBody>
       </p:sp>
@@ -293,7 +311,7 @@
             <a:fld id="{1D8BD707-D9CF-40AE-B4C6-C98DA3205C09}" type="datetimeFigureOut">
               <a:rPr lang="en-US" smtClean="0"/>
               <a:pPr/>
-              <a:t>12/14/2017</a:t>
+              <a:t>12/19/2017</a:t>
             </a:fld>
             <a:endParaRPr lang="en-US"/>
           </a:p>
@@ -383,10 +401,9 @@
           <a:lstStyle/>
           <a:p>
             <a:r>
-              <a:rPr lang="en-US" smtClean="0"/>
+              <a:rPr lang="en-US"/>
               <a:t>Click to edit Master title style</a:t>
             </a:r>
-            <a:endParaRPr lang="en-US"/>
           </a:p>
         </p:txBody>
       </p:sp>
@@ -407,38 +424,37 @@
           <a:p>
             <a:pPr lvl="0"/>
             <a:r>
-              <a:rPr lang="en-US" smtClean="0"/>
+              <a:rPr lang="en-US"/>
               <a:t>Click to edit Master text styles</a:t>
             </a:r>
           </a:p>
           <a:p>
             <a:pPr lvl="1"/>
             <a:r>
-              <a:rPr lang="en-US" smtClean="0"/>
+              <a:rPr lang="en-US"/>
               <a:t>Second level</a:t>
             </a:r>
           </a:p>
           <a:p>
             <a:pPr lvl="2"/>
             <a:r>
-              <a:rPr lang="en-US" smtClean="0"/>
+              <a:rPr lang="en-US"/>
               <a:t>Third level</a:t>
             </a:r>
           </a:p>
           <a:p>
             <a:pPr lvl="3"/>
             <a:r>
-              <a:rPr lang="en-US" smtClean="0"/>
+              <a:rPr lang="en-US"/>
               <a:t>Fourth level</a:t>
             </a:r>
           </a:p>
           <a:p>
             <a:pPr lvl="4"/>
             <a:r>
-              <a:rPr lang="en-US" smtClean="0"/>
+              <a:rPr lang="en-US"/>
               <a:t>Fifth level</a:t>
             </a:r>
-            <a:endParaRPr lang="en-US"/>
           </a:p>
         </p:txBody>
       </p:sp>
@@ -460,7 +476,7 @@
             <a:fld id="{1D8BD707-D9CF-40AE-B4C6-C98DA3205C09}" type="datetimeFigureOut">
               <a:rPr lang="en-US" smtClean="0"/>
               <a:pPr/>
-              <a:t>12/14/2017</a:t>
+              <a:t>12/19/2017</a:t>
             </a:fld>
             <a:endParaRPr lang="en-US"/>
           </a:p>
@@ -555,10 +571,9 @@
           <a:lstStyle/>
           <a:p>
             <a:r>
-              <a:rPr lang="en-US" smtClean="0"/>
+              <a:rPr lang="en-US"/>
               <a:t>Click to edit Master title style</a:t>
             </a:r>
-            <a:endParaRPr lang="en-US"/>
           </a:p>
         </p:txBody>
       </p:sp>
@@ -584,38 +599,37 @@
           <a:p>
             <a:pPr lvl="0"/>
             <a:r>
-              <a:rPr lang="en-US" smtClean="0"/>
+              <a:rPr lang="en-US"/>
               <a:t>Click to edit Master text styles</a:t>
             </a:r>
           </a:p>
           <a:p>
             <a:pPr lvl="1"/>
             <a:r>
-              <a:rPr lang="en-US" smtClean="0"/>
+              <a:rPr lang="en-US"/>
               <a:t>Second level</a:t>
             </a:r>
           </a:p>
           <a:p>
             <a:pPr lvl="2"/>
             <a:r>
-              <a:rPr lang="en-US" smtClean="0"/>
+              <a:rPr lang="en-US"/>
               <a:t>Third level</a:t>
             </a:r>
           </a:p>
           <a:p>
             <a:pPr lvl="3"/>
             <a:r>
-              <a:rPr lang="en-US" smtClean="0"/>
+              <a:rPr lang="en-US"/>
               <a:t>Fourth level</a:t>
             </a:r>
           </a:p>
           <a:p>
             <a:pPr lvl="4"/>
             <a:r>
-              <a:rPr lang="en-US" smtClean="0"/>
+              <a:rPr lang="en-US"/>
               <a:t>Fifth level</a:t>
             </a:r>
-            <a:endParaRPr lang="en-US"/>
           </a:p>
         </p:txBody>
       </p:sp>
@@ -637,7 +651,7 @@
             <a:fld id="{1D8BD707-D9CF-40AE-B4C6-C98DA3205C09}" type="datetimeFigureOut">
               <a:rPr lang="en-US" smtClean="0"/>
               <a:pPr/>
-              <a:t>12/14/2017</a:t>
+              <a:t>12/19/2017</a:t>
             </a:fld>
             <a:endParaRPr lang="en-US"/>
           </a:p>
@@ -727,10 +741,9 @@
           <a:lstStyle/>
           <a:p>
             <a:r>
-              <a:rPr lang="en-US" smtClean="0"/>
+              <a:rPr lang="en-US"/>
               <a:t>Click to edit Master title style</a:t>
             </a:r>
-            <a:endParaRPr lang="en-US"/>
           </a:p>
         </p:txBody>
       </p:sp>
@@ -751,38 +764,37 @@
           <a:p>
             <a:pPr lvl="0"/>
             <a:r>
-              <a:rPr lang="en-US" smtClean="0"/>
+              <a:rPr lang="en-US"/>
               <a:t>Click to edit Master text styles</a:t>
             </a:r>
           </a:p>
           <a:p>
             <a:pPr lvl="1"/>
             <a:r>
-              <a:rPr lang="en-US" smtClean="0"/>
+              <a:rPr lang="en-US"/>
               <a:t>Second level</a:t>
             </a:r>
           </a:p>
           <a:p>
             <a:pPr lvl="2"/>
             <a:r>
-              <a:rPr lang="en-US" smtClean="0"/>
+              <a:rPr lang="en-US"/>
               <a:t>Third level</a:t>
             </a:r>
           </a:p>
           <a:p>
             <a:pPr lvl="3"/>
             <a:r>
-              <a:rPr lang="en-US" smtClean="0"/>
+              <a:rPr lang="en-US"/>
               <a:t>Fourth level</a:t>
             </a:r>
           </a:p>
           <a:p>
             <a:pPr lvl="4"/>
             <a:r>
-              <a:rPr lang="en-US" smtClean="0"/>
+              <a:rPr lang="en-US"/>
               <a:t>Fifth level</a:t>
             </a:r>
-            <a:endParaRPr lang="en-US"/>
           </a:p>
         </p:txBody>
       </p:sp>
@@ -804,7 +816,7 @@
             <a:fld id="{1D8BD707-D9CF-40AE-B4C6-C98DA3205C09}" type="datetimeFigureOut">
               <a:rPr lang="en-US" smtClean="0"/>
               <a:pPr/>
-              <a:t>12/14/2017</a:t>
+              <a:t>12/19/2017</a:t>
             </a:fld>
             <a:endParaRPr lang="en-US"/>
           </a:p>
@@ -903,10 +915,9 @@
           </a:lstStyle>
           <a:p>
             <a:r>
-              <a:rPr lang="en-US" smtClean="0"/>
+              <a:rPr lang="en-US"/>
               <a:t>Click to edit Master title style</a:t>
             </a:r>
-            <a:endParaRPr lang="en-US"/>
           </a:p>
         </p:txBody>
       </p:sp>
@@ -1023,7 +1034,7 @@
           <a:p>
             <a:pPr lvl="0"/>
             <a:r>
-              <a:rPr lang="en-US" smtClean="0"/>
+              <a:rPr lang="en-US"/>
               <a:t>Click to edit Master text styles</a:t>
             </a:r>
           </a:p>
@@ -1047,7 +1058,7 @@
             <a:fld id="{1D8BD707-D9CF-40AE-B4C6-C98DA3205C09}" type="datetimeFigureOut">
               <a:rPr lang="en-US" smtClean="0"/>
               <a:pPr/>
-              <a:t>12/14/2017</a:t>
+              <a:t>12/19/2017</a:t>
             </a:fld>
             <a:endParaRPr lang="en-US"/>
           </a:p>
@@ -1137,10 +1148,9 @@
           <a:lstStyle/>
           <a:p>
             <a:r>
-              <a:rPr lang="en-US" smtClean="0"/>
+              <a:rPr lang="en-US"/>
               <a:t>Click to edit Master title style</a:t>
             </a:r>
-            <a:endParaRPr lang="en-US"/>
           </a:p>
         </p:txBody>
       </p:sp>
@@ -1194,38 +1204,37 @@
           <a:p>
             <a:pPr lvl="0"/>
             <a:r>
-              <a:rPr lang="en-US" smtClean="0"/>
+              <a:rPr lang="en-US"/>
               <a:t>Click to edit Master text styles</a:t>
             </a:r>
           </a:p>
           <a:p>
             <a:pPr lvl="1"/>
             <a:r>
-              <a:rPr lang="en-US" smtClean="0"/>
+              <a:rPr lang="en-US"/>
               <a:t>Second level</a:t>
             </a:r>
           </a:p>
           <a:p>
             <a:pPr lvl="2"/>
             <a:r>
-              <a:rPr lang="en-US" smtClean="0"/>
+              <a:rPr lang="en-US"/>
               <a:t>Third level</a:t>
             </a:r>
           </a:p>
           <a:p>
             <a:pPr lvl="3"/>
             <a:r>
-              <a:rPr lang="en-US" smtClean="0"/>
+              <a:rPr lang="en-US"/>
               <a:t>Fourth level</a:t>
             </a:r>
           </a:p>
           <a:p>
             <a:pPr lvl="4"/>
             <a:r>
-              <a:rPr lang="en-US" smtClean="0"/>
+              <a:rPr lang="en-US"/>
               <a:t>Fifth level</a:t>
             </a:r>
-            <a:endParaRPr lang="en-US"/>
           </a:p>
         </p:txBody>
       </p:sp>
@@ -1279,38 +1288,37 @@
           <a:p>
             <a:pPr lvl="0"/>
             <a:r>
-              <a:rPr lang="en-US" smtClean="0"/>
+              <a:rPr lang="en-US"/>
               <a:t>Click to edit Master text styles</a:t>
             </a:r>
           </a:p>
           <a:p>
             <a:pPr lvl="1"/>
             <a:r>
-              <a:rPr lang="en-US" smtClean="0"/>
+              <a:rPr lang="en-US"/>
               <a:t>Second level</a:t>
             </a:r>
           </a:p>
           <a:p>
             <a:pPr lvl="2"/>
             <a:r>
-              <a:rPr lang="en-US" smtClean="0"/>
+              <a:rPr lang="en-US"/>
               <a:t>Third level</a:t>
             </a:r>
           </a:p>
           <a:p>
             <a:pPr lvl="3"/>
             <a:r>
-              <a:rPr lang="en-US" smtClean="0"/>
+              <a:rPr lang="en-US"/>
               <a:t>Fourth level</a:t>
             </a:r>
           </a:p>
           <a:p>
             <a:pPr lvl="4"/>
             <a:r>
-              <a:rPr lang="en-US" smtClean="0"/>
+              <a:rPr lang="en-US"/>
               <a:t>Fifth level</a:t>
             </a:r>
-            <a:endParaRPr lang="en-US"/>
           </a:p>
         </p:txBody>
       </p:sp>
@@ -1332,7 +1340,7 @@
             <a:fld id="{1D8BD707-D9CF-40AE-B4C6-C98DA3205C09}" type="datetimeFigureOut">
               <a:rPr lang="en-US" smtClean="0"/>
               <a:pPr/>
-              <a:t>12/14/2017</a:t>
+              <a:t>12/19/2017</a:t>
             </a:fld>
             <a:endParaRPr lang="en-US"/>
           </a:p>
@@ -1426,10 +1434,9 @@
           </a:lstStyle>
           <a:p>
             <a:r>
-              <a:rPr lang="en-US" smtClean="0"/>
+              <a:rPr lang="en-US"/>
               <a:t>Click to edit Master title style</a:t>
             </a:r>
-            <a:endParaRPr lang="en-US"/>
           </a:p>
         </p:txBody>
       </p:sp>
@@ -1492,7 +1499,7 @@
           <a:p>
             <a:pPr lvl="0"/>
             <a:r>
-              <a:rPr lang="en-US" smtClean="0"/>
+              <a:rPr lang="en-US"/>
               <a:t>Click to edit Master text styles</a:t>
             </a:r>
           </a:p>
@@ -1548,38 +1555,37 @@
           <a:p>
             <a:pPr lvl="0"/>
             <a:r>
-              <a:rPr lang="en-US" smtClean="0"/>
+              <a:rPr lang="en-US"/>
               <a:t>Click to edit Master text styles</a:t>
             </a:r>
           </a:p>
           <a:p>
             <a:pPr lvl="1"/>
             <a:r>
-              <a:rPr lang="en-US" smtClean="0"/>
+              <a:rPr lang="en-US"/>
               <a:t>Second level</a:t>
             </a:r>
           </a:p>
           <a:p>
             <a:pPr lvl="2"/>
             <a:r>
-              <a:rPr lang="en-US" smtClean="0"/>
+              <a:rPr lang="en-US"/>
               <a:t>Third level</a:t>
             </a:r>
           </a:p>
           <a:p>
             <a:pPr lvl="3"/>
             <a:r>
-              <a:rPr lang="en-US" smtClean="0"/>
+              <a:rPr lang="en-US"/>
               <a:t>Fourth level</a:t>
             </a:r>
           </a:p>
           <a:p>
             <a:pPr lvl="4"/>
             <a:r>
-              <a:rPr lang="en-US" smtClean="0"/>
+              <a:rPr lang="en-US"/>
               <a:t>Fifth level</a:t>
             </a:r>
-            <a:endParaRPr lang="en-US"/>
           </a:p>
         </p:txBody>
       </p:sp>
@@ -1642,7 +1648,7 @@
           <a:p>
             <a:pPr lvl="0"/>
             <a:r>
-              <a:rPr lang="en-US" smtClean="0"/>
+              <a:rPr lang="en-US"/>
               <a:t>Click to edit Master text styles</a:t>
             </a:r>
           </a:p>
@@ -1698,38 +1704,37 @@
           <a:p>
             <a:pPr lvl="0"/>
             <a:r>
-              <a:rPr lang="en-US" smtClean="0"/>
+              <a:rPr lang="en-US"/>
               <a:t>Click to edit Master text styles</a:t>
             </a:r>
           </a:p>
           <a:p>
             <a:pPr lvl="1"/>
             <a:r>
-              <a:rPr lang="en-US" smtClean="0"/>
+              <a:rPr lang="en-US"/>
               <a:t>Second level</a:t>
             </a:r>
           </a:p>
           <a:p>
             <a:pPr lvl="2"/>
             <a:r>
-              <a:rPr lang="en-US" smtClean="0"/>
+              <a:rPr lang="en-US"/>
               <a:t>Third level</a:t>
             </a:r>
           </a:p>
           <a:p>
             <a:pPr lvl="3"/>
             <a:r>
-              <a:rPr lang="en-US" smtClean="0"/>
+              <a:rPr lang="en-US"/>
               <a:t>Fourth level</a:t>
             </a:r>
           </a:p>
           <a:p>
             <a:pPr lvl="4"/>
             <a:r>
-              <a:rPr lang="en-US" smtClean="0"/>
+              <a:rPr lang="en-US"/>
               <a:t>Fifth level</a:t>
             </a:r>
-            <a:endParaRPr lang="en-US"/>
           </a:p>
         </p:txBody>
       </p:sp>
@@ -1751,7 +1756,7 @@
             <a:fld id="{1D8BD707-D9CF-40AE-B4C6-C98DA3205C09}" type="datetimeFigureOut">
               <a:rPr lang="en-US" smtClean="0"/>
               <a:pPr/>
-              <a:t>12/14/2017</a:t>
+              <a:t>12/19/2017</a:t>
             </a:fld>
             <a:endParaRPr lang="en-US"/>
           </a:p>
@@ -1841,10 +1846,9 @@
           <a:lstStyle/>
           <a:p>
             <a:r>
-              <a:rPr lang="en-US" smtClean="0"/>
+              <a:rPr lang="en-US"/>
               <a:t>Click to edit Master title style</a:t>
             </a:r>
-            <a:endParaRPr lang="en-US"/>
           </a:p>
         </p:txBody>
       </p:sp>
@@ -1866,7 +1870,7 @@
             <a:fld id="{1D8BD707-D9CF-40AE-B4C6-C98DA3205C09}" type="datetimeFigureOut">
               <a:rPr lang="en-US" smtClean="0"/>
               <a:pPr/>
-              <a:t>12/14/2017</a:t>
+              <a:t>12/19/2017</a:t>
             </a:fld>
             <a:endParaRPr lang="en-US"/>
           </a:p>
@@ -1958,7 +1962,7 @@
             <a:fld id="{1D8BD707-D9CF-40AE-B4C6-C98DA3205C09}" type="datetimeFigureOut">
               <a:rPr lang="en-US" smtClean="0"/>
               <a:pPr/>
-              <a:t>12/14/2017</a:t>
+              <a:t>12/19/2017</a:t>
             </a:fld>
             <a:endParaRPr lang="en-US"/>
           </a:p>
@@ -2057,10 +2061,9 @@
           </a:lstStyle>
           <a:p>
             <a:r>
-              <a:rPr lang="en-US" smtClean="0"/>
+              <a:rPr lang="en-US"/>
               <a:t>Click to edit Master title style</a:t>
             </a:r>
-            <a:endParaRPr lang="en-US"/>
           </a:p>
         </p:txBody>
       </p:sp>
@@ -2114,38 +2117,37 @@
           <a:p>
             <a:pPr lvl="0"/>
             <a:r>
-              <a:rPr lang="en-US" smtClean="0"/>
+              <a:rPr lang="en-US"/>
               <a:t>Click to edit Master text styles</a:t>
             </a:r>
           </a:p>
           <a:p>
             <a:pPr lvl="1"/>
             <a:r>
-              <a:rPr lang="en-US" smtClean="0"/>
+              <a:rPr lang="en-US"/>
               <a:t>Second level</a:t>
             </a:r>
           </a:p>
           <a:p>
             <a:pPr lvl="2"/>
             <a:r>
-              <a:rPr lang="en-US" smtClean="0"/>
+              <a:rPr lang="en-US"/>
               <a:t>Third level</a:t>
             </a:r>
           </a:p>
           <a:p>
             <a:pPr lvl="3"/>
             <a:r>
-              <a:rPr lang="en-US" smtClean="0"/>
+              <a:rPr lang="en-US"/>
               <a:t>Fourth level</a:t>
             </a:r>
           </a:p>
           <a:p>
             <a:pPr lvl="4"/>
             <a:r>
-              <a:rPr lang="en-US" smtClean="0"/>
+              <a:rPr lang="en-US"/>
               <a:t>Fifth level</a:t>
             </a:r>
-            <a:endParaRPr lang="en-US"/>
           </a:p>
         </p:txBody>
       </p:sp>
@@ -2208,7 +2210,7 @@
           <a:p>
             <a:pPr lvl="0"/>
             <a:r>
-              <a:rPr lang="en-US" smtClean="0"/>
+              <a:rPr lang="en-US"/>
               <a:t>Click to edit Master text styles</a:t>
             </a:r>
           </a:p>
@@ -2232,7 +2234,7 @@
             <a:fld id="{1D8BD707-D9CF-40AE-B4C6-C98DA3205C09}" type="datetimeFigureOut">
               <a:rPr lang="en-US" smtClean="0"/>
               <a:pPr/>
-              <a:t>12/14/2017</a:t>
+              <a:t>12/19/2017</a:t>
             </a:fld>
             <a:endParaRPr lang="en-US"/>
           </a:p>
@@ -2331,10 +2333,9 @@
           </a:lstStyle>
           <a:p>
             <a:r>
-              <a:rPr lang="en-US" smtClean="0"/>
+              <a:rPr lang="en-US"/>
               <a:t>Click to edit Master title style</a:t>
             </a:r>
-            <a:endParaRPr lang="en-US"/>
           </a:p>
         </p:txBody>
       </p:sp>
@@ -2458,7 +2459,7 @@
           <a:p>
             <a:pPr lvl="0"/>
             <a:r>
-              <a:rPr lang="en-US" smtClean="0"/>
+              <a:rPr lang="en-US"/>
               <a:t>Click to edit Master text styles</a:t>
             </a:r>
           </a:p>
@@ -2482,7 +2483,7 @@
             <a:fld id="{1D8BD707-D9CF-40AE-B4C6-C98DA3205C09}" type="datetimeFigureOut">
               <a:rPr lang="en-US" smtClean="0"/>
               <a:pPr/>
-              <a:t>12/14/2017</a:t>
+              <a:t>12/19/2017</a:t>
             </a:fld>
             <a:endParaRPr lang="en-US"/>
           </a:p>
@@ -2587,10 +2588,9 @@
           <a:lstStyle/>
           <a:p>
             <a:r>
-              <a:rPr lang="en-US" smtClean="0"/>
+              <a:rPr lang="en-US"/>
               <a:t>Click to edit Master title style</a:t>
             </a:r>
-            <a:endParaRPr lang="en-US"/>
           </a:p>
         </p:txBody>
       </p:sp>
@@ -2621,38 +2621,37 @@
           <a:p>
             <a:pPr lvl="0"/>
             <a:r>
-              <a:rPr lang="en-US" smtClean="0"/>
+              <a:rPr lang="en-US"/>
               <a:t>Click to edit Master text styles</a:t>
             </a:r>
           </a:p>
           <a:p>
             <a:pPr lvl="1"/>
             <a:r>
-              <a:rPr lang="en-US" smtClean="0"/>
+              <a:rPr lang="en-US"/>
               <a:t>Second level</a:t>
             </a:r>
           </a:p>
           <a:p>
             <a:pPr lvl="2"/>
             <a:r>
-              <a:rPr lang="en-US" smtClean="0"/>
+              <a:rPr lang="en-US"/>
               <a:t>Third level</a:t>
             </a:r>
           </a:p>
           <a:p>
             <a:pPr lvl="3"/>
             <a:r>
-              <a:rPr lang="en-US" smtClean="0"/>
+              <a:rPr lang="en-US"/>
               <a:t>Fourth level</a:t>
             </a:r>
           </a:p>
           <a:p>
             <a:pPr lvl="4"/>
             <a:r>
-              <a:rPr lang="en-US" smtClean="0"/>
+              <a:rPr lang="en-US"/>
               <a:t>Fifth level</a:t>
             </a:r>
-            <a:endParaRPr lang="en-US"/>
           </a:p>
         </p:txBody>
       </p:sp>
@@ -2692,7 +2691,7 @@
             <a:fld id="{1D8BD707-D9CF-40AE-B4C6-C98DA3205C09}" type="datetimeFigureOut">
               <a:rPr lang="en-US" smtClean="0"/>
               <a:pPr/>
-              <a:t>12/14/2017</a:t>
+              <a:t>12/19/2017</a:t>
             </a:fld>
             <a:endParaRPr lang="en-US"/>
           </a:p>
@@ -3109,41 +3108,24 @@
                   <a:srgbClr val="0000CC"/>
                 </a:solidFill>
               </a:rPr>
-              <a:t>and </a:t>
-            </a:r>
-            <a:r>
-              <a:rPr lang="en-US" b="1" dirty="0" smtClean="0">
-                <a:solidFill>
-                  <a:srgbClr val="0000CC"/>
-                </a:solidFill>
-              </a:rPr>
-              <a:t>MySQL </a:t>
-            </a:r>
-            <a:r>
-              <a:rPr lang="en-US" b="1" u="sng" dirty="0" smtClean="0">
+              <a:t>and MySQL </a:t>
+            </a:r>
+            <a:r>
+              <a:rPr lang="en-US" b="1" u="sng" dirty="0">
                 <a:solidFill>
                   <a:srgbClr val="FF0000"/>
                 </a:solidFill>
               </a:rPr>
               <a:t>with Setup built with the project</a:t>
             </a:r>
-            <a:endParaRPr lang="en-US" b="1" u="sng" dirty="0">
-              <a:solidFill>
-                <a:srgbClr val="FF0000"/>
-              </a:solidFill>
-            </a:endParaRPr>
-          </a:p>
-          <a:p>
-            <a:endParaRPr lang="en-US" b="1" dirty="0" smtClean="0"/>
-          </a:p>
-          <a:p>
-            <a:r>
-              <a:rPr lang="en-US" b="1" dirty="0" smtClean="0"/>
-              <a:t>Admin </a:t>
-            </a:r>
+          </a:p>
+          <a:p>
+            <a:endParaRPr lang="en-US" b="1" dirty="0"/>
+          </a:p>
+          <a:p>
             <a:r>
               <a:rPr lang="en-US" b="1" dirty="0"/>
-              <a:t>mode</a:t>
+              <a:t>Admin mode</a:t>
             </a:r>
             <a:r>
               <a:rPr lang="en-US" dirty="0"/>
@@ -3157,41 +3139,28 @@
             </a:r>
             <a:r>
               <a:rPr lang="en-US" dirty="0"/>
-              <a:t>: where students use their </a:t>
-            </a:r>
-            <a:r>
-              <a:rPr lang="en-US" dirty="0" smtClean="0"/>
-              <a:t>fingerprints.</a:t>
-            </a:r>
-            <a:endParaRPr lang="en-US" dirty="0"/>
-          </a:p>
-          <a:p>
-            <a:r>
-              <a:rPr lang="en-US" dirty="0" smtClean="0"/>
-              <a:t>	Data </a:t>
-            </a:r>
+              <a:t>: where students use their fingerprints.</a:t>
+            </a:r>
+          </a:p>
+          <a:p>
             <a:r>
               <a:rPr lang="en-US" dirty="0"/>
-              <a:t>collected: student name, date, time, </a:t>
-            </a:r>
-            <a:r>
-              <a:rPr lang="en-US" dirty="0" smtClean="0"/>
-              <a:t>fingerprints</a:t>
-            </a:r>
-          </a:p>
-          <a:p>
-            <a:r>
-              <a:rPr lang="en-US" b="1" dirty="0" smtClean="0"/>
+              <a:t>	Data collected: student name, date, time, fingerprints</a:t>
+            </a:r>
+          </a:p>
+          <a:p>
+            <a:r>
+              <a:rPr lang="en-US" b="1" dirty="0"/>
               <a:t>Config mode</a:t>
             </a:r>
             <a:r>
-              <a:rPr lang="en-US" dirty="0" smtClean="0"/>
+              <a:rPr lang="en-US" dirty="0"/>
               <a:t>: for admin only protected with username and password</a:t>
             </a:r>
           </a:p>
           <a:p>
             <a:r>
-              <a:rPr lang="en-US" dirty="0" smtClean="0"/>
+              <a:rPr lang="en-US" dirty="0"/>
               <a:t>Allow admin add edit delete, disable student and set the scanner (Detect the scanner)</a:t>
             </a:r>
           </a:p>
@@ -3219,62 +3188,54 @@
           </a:bodyPr>
           <a:lstStyle/>
           <a:p>
-            <a:endParaRPr lang="en-US" dirty="0" smtClean="0"/>
-          </a:p>
-          <a:p>
-            <a:r>
-              <a:rPr lang="en-US" dirty="0" smtClean="0"/>
+            <a:endParaRPr lang="en-US" dirty="0"/>
+          </a:p>
+          <a:p>
+            <a:r>
+              <a:rPr lang="en-US" dirty="0"/>
               <a:t>Student_ID: Auto Generate</a:t>
             </a:r>
           </a:p>
           <a:p>
             <a:r>
-              <a:rPr lang="en-US" dirty="0" smtClean="0"/>
+              <a:rPr lang="en-US" dirty="0"/>
               <a:t>Date: MM/DD/YYYY</a:t>
             </a:r>
           </a:p>
           <a:p>
             <a:r>
-              <a:rPr lang="en-US" dirty="0" smtClean="0"/>
+              <a:rPr lang="en-US" dirty="0"/>
               <a:t>Student_Name: Full name of the student</a:t>
             </a:r>
           </a:p>
           <a:p>
             <a:r>
-              <a:rPr lang="en-US" dirty="0" smtClean="0"/>
+              <a:rPr lang="en-US" dirty="0"/>
               <a:t>Student_Phone: Phone number of the student</a:t>
             </a:r>
           </a:p>
           <a:p>
             <a:r>
-              <a:rPr lang="en-US" dirty="0" smtClean="0"/>
+              <a:rPr lang="en-US" dirty="0"/>
               <a:t>Case_Manager: will be a full name</a:t>
             </a:r>
           </a:p>
           <a:p>
             <a:r>
-              <a:rPr lang="en-US" dirty="0" smtClean="0"/>
+              <a:rPr lang="en-US" dirty="0"/>
               <a:t>Logged_In: Time HH:MM:SS</a:t>
             </a:r>
           </a:p>
           <a:p>
             <a:r>
-              <a:rPr lang="en-US" dirty="0" smtClean="0"/>
+              <a:rPr lang="en-US" dirty="0"/>
               <a:t>Logged_Out: Time HH:MM:SS</a:t>
             </a:r>
           </a:p>
           <a:p>
             <a:r>
-              <a:rPr lang="en-US" dirty="0" smtClean="0"/>
-              <a:t>Late: </a:t>
-            </a:r>
-            <a:r>
               <a:rPr lang="en-US" dirty="0"/>
-              <a:t>Yes or No (if after 7:00 am set late = </a:t>
-            </a:r>
-            <a:r>
-              <a:rPr lang="en-US" dirty="0" smtClean="0"/>
-              <a:t>Yes)</a:t>
+              <a:t>Late: Yes or No (if after 7:00 am set late = Yes)</a:t>
             </a:r>
           </a:p>
           <a:p>
@@ -3369,10 +3330,9 @@
           <a:lstStyle/>
           <a:p>
             <a:r>
-              <a:rPr lang="en-US" sz="1200" dirty="0" smtClean="0"/>
+              <a:rPr lang="en-US" sz="1200" dirty="0"/>
               <a:t>I will be using this Fingerprint reader</a:t>
             </a:r>
-            <a:endParaRPr lang="en-US" sz="1200" dirty="0"/>
           </a:p>
         </p:txBody>
       </p:sp>
@@ -3412,18 +3372,13 @@
           <a:lstStyle/>
           <a:p>
             <a:r>
-              <a:rPr lang="en-US" sz="1600" dirty="0" smtClean="0">
+              <a:rPr lang="en-US" sz="1600" dirty="0">
                 <a:solidFill>
                   <a:srgbClr val="FF0000"/>
                 </a:solidFill>
               </a:rPr>
               <a:t>Project Budget: $200.00</a:t>
             </a:r>
-            <a:endParaRPr lang="en-US" sz="1600" dirty="0">
-              <a:solidFill>
-                <a:srgbClr val="FF0000"/>
-              </a:solidFill>
-            </a:endParaRPr>
           </a:p>
         </p:txBody>
       </p:sp>
@@ -3437,13 +3392,6 @@
   <p:clrMapOvr>
     <a:masterClrMapping/>
   </p:clrMapOvr>
-  <p:timing>
-    <p:tnLst>
-      <p:par>
-        <p:cTn id="1" dur="indefinite" restart="never" nodeType="tmRoot"/>
-      </p:par>
-    </p:tnLst>
-  </p:timing>
 </p:sld>
 </file>
 
@@ -3487,7 +3435,7 @@
           <a:lstStyle/>
           <a:p>
             <a:r>
-              <a:rPr lang="en-US" b="1" dirty="0" smtClean="0">
+              <a:rPr lang="en-US" b="1" dirty="0">
                 <a:solidFill>
                   <a:srgbClr val="FF0000"/>
                 </a:solidFill>
@@ -3497,7 +3445,7 @@
           </a:p>
           <a:p>
             <a:r>
-              <a:rPr lang="en-US" b="1" dirty="0" smtClean="0">
+              <a:rPr lang="en-US" b="1" dirty="0">
                 <a:solidFill>
                   <a:srgbClr val="FF0000"/>
                 </a:solidFill>
@@ -3507,7 +3455,7 @@
           </a:p>
           <a:p>
             <a:r>
-              <a:rPr lang="en-US" b="1" dirty="0" smtClean="0">
+              <a:rPr lang="en-US" b="1" dirty="0">
                 <a:solidFill>
                   <a:srgbClr val="FF0000"/>
                 </a:solidFill>
@@ -3517,7 +3465,7 @@
           </a:p>
           <a:p>
             <a:r>
-              <a:rPr lang="en-US" b="1" dirty="0" smtClean="0">
+              <a:rPr lang="en-US" b="1" dirty="0">
                 <a:solidFill>
                   <a:srgbClr val="FF0000"/>
                 </a:solidFill>
@@ -3527,7 +3475,7 @@
           </a:p>
           <a:p>
             <a:r>
-              <a:rPr lang="en-US" b="1" dirty="0" smtClean="0">
+              <a:rPr lang="en-US" b="1" dirty="0">
                 <a:solidFill>
                   <a:srgbClr val="FF0000"/>
                 </a:solidFill>
@@ -3537,7 +3485,7 @@
           </a:p>
           <a:p>
             <a:r>
-              <a:rPr lang="en-US" b="1" dirty="0" smtClean="0">
+              <a:rPr lang="en-US" b="1" dirty="0">
                 <a:solidFill>
                   <a:srgbClr val="FF0000"/>
                 </a:solidFill>
@@ -3547,7 +3495,7 @@
           </a:p>
           <a:p>
             <a:r>
-              <a:rPr lang="en-US" b="1" dirty="0" smtClean="0">
+              <a:rPr lang="en-US" b="1" dirty="0">
                 <a:solidFill>
                   <a:srgbClr val="FF0000"/>
                 </a:solidFill>
@@ -3557,7 +3505,7 @@
           </a:p>
           <a:p>
             <a:r>
-              <a:rPr lang="en-US" b="1" dirty="0" smtClean="0">
+              <a:rPr lang="en-US" b="1" dirty="0">
                 <a:solidFill>
                   <a:srgbClr val="FF0000"/>
                 </a:solidFill>
@@ -3572,15 +3520,7 @@
                   <a:srgbClr val="FF0000"/>
                 </a:solidFill>
               </a:rPr>
-              <a:t>	</a:t>
-            </a:r>
-            <a:r>
-              <a:rPr lang="en-US" b="1" dirty="0" smtClean="0">
-                <a:solidFill>
-                  <a:srgbClr val="FF0000"/>
-                </a:solidFill>
-              </a:rPr>
-              <a:t>keep working and fix it</a:t>
+              <a:t>	keep working and fix it</a:t>
             </a:r>
           </a:p>
           <a:p>
@@ -3592,7 +3532,7 @@
           </a:p>
           <a:p>
             <a:r>
-              <a:rPr lang="en-US" b="1" dirty="0" smtClean="0">
+              <a:rPr lang="en-US" b="1" dirty="0">
                 <a:solidFill>
                   <a:srgbClr val="FF0000"/>
                 </a:solidFill>
@@ -3602,18 +3542,13 @@
           </a:p>
           <a:p>
             <a:r>
-              <a:rPr lang="en-US" b="1" dirty="0" smtClean="0">
+              <a:rPr lang="en-US" b="1" dirty="0">
                 <a:solidFill>
                   <a:srgbClr val="FF0000"/>
                 </a:solidFill>
               </a:rPr>
               <a:t>If you have problem with these conditions do not bid</a:t>
             </a:r>
-            <a:endParaRPr lang="en-US" b="1" dirty="0">
-              <a:solidFill>
-                <a:srgbClr val="FF0000"/>
-              </a:solidFill>
-            </a:endParaRPr>
           </a:p>
         </p:txBody>
       </p:sp>
@@ -3734,10 +3669,9 @@
           <a:lstStyle/>
           <a:p>
             <a:r>
-              <a:rPr lang="en-US" dirty="0" smtClean="0"/>
+              <a:rPr lang="en-US" dirty="0"/>
               <a:t>Add New Student</a:t>
             </a:r>
-            <a:endParaRPr lang="en-US" dirty="0"/>
           </a:p>
         </p:txBody>
       </p:sp>
@@ -3778,16 +3712,15 @@
           <a:lstStyle/>
           <a:p>
             <a:r>
-              <a:rPr lang="en-US" sz="1100" dirty="0" smtClean="0"/>
+              <a:rPr lang="en-US" sz="1100" dirty="0"/>
               <a:t>Account Student is Active when adding new student</a:t>
             </a:r>
           </a:p>
           <a:p>
             <a:r>
-              <a:rPr lang="en-US" sz="1100" dirty="0" smtClean="0"/>
+              <a:rPr lang="en-US" sz="1100" dirty="0"/>
               <a:t>Active, Disabled</a:t>
             </a:r>
-            <a:endParaRPr lang="en-US" sz="1100" dirty="0"/>
           </a:p>
         </p:txBody>
       </p:sp>
@@ -3910,10 +3843,9 @@
           <a:lstStyle/>
           <a:p>
             <a:r>
-              <a:rPr lang="en-US" sz="1100" dirty="0" smtClean="0"/>
+              <a:rPr lang="en-US" sz="1100" dirty="0"/>
               <a:t>Admin will browse and select student picture (is not required)</a:t>
             </a:r>
-            <a:endParaRPr lang="en-US" sz="1100" dirty="0"/>
           </a:p>
         </p:txBody>
       </p:sp>
@@ -4130,10 +4062,9 @@
           <a:lstStyle/>
           <a:p>
             <a:r>
-              <a:rPr lang="en-US" sz="1100" dirty="0" smtClean="0"/>
+              <a:rPr lang="en-US" sz="1100" dirty="0"/>
               <a:t>Student will place his finger on the scanner and the admin will click on Scan to capture the fingerprint</a:t>
             </a:r>
-            <a:endParaRPr lang="en-US" sz="1100" dirty="0"/>
           </a:p>
         </p:txBody>
       </p:sp>
@@ -4265,10 +4196,9 @@
           <a:lstStyle/>
           <a:p>
             <a:r>
-              <a:rPr lang="en-US" sz="1100" dirty="0" smtClean="0"/>
+              <a:rPr lang="en-US" sz="1100" dirty="0"/>
               <a:t>Admin will click on save to add student data to the database (MySQL) or Click on Cancel to cancel the entry</a:t>
             </a:r>
-            <a:endParaRPr lang="en-US" sz="1100" dirty="0"/>
           </a:p>
         </p:txBody>
       </p:sp>
@@ -4448,27 +4378,23 @@
           <a:lstStyle/>
           <a:p>
             <a:r>
-              <a:rPr lang="en-US" sz="1100" dirty="0" smtClean="0"/>
-              <a:t>Admin will select which day of the week will the student logging </a:t>
-            </a:r>
-            <a:r>
-              <a:rPr lang="en-US" sz="1100" dirty="0" smtClean="0"/>
-              <a:t>in</a:t>
-            </a:r>
-          </a:p>
-          <a:p>
-            <a:r>
-              <a:rPr lang="en-US" sz="1100" dirty="0" smtClean="0"/>
+              <a:rPr lang="en-US" sz="1100" dirty="0"/>
+              <a:t>Admin will select which day of the week will the student logging in</a:t>
+            </a:r>
+          </a:p>
+          <a:p>
+            <a:r>
+              <a:rPr lang="en-US" sz="1100" dirty="0"/>
               <a:t>If week days is selected = student can only login during the week day</a:t>
             </a:r>
           </a:p>
           <a:p>
             <a:r>
-              <a:rPr lang="en-US" sz="1100" dirty="0" smtClean="0"/>
+              <a:rPr lang="en-US" sz="1100" dirty="0"/>
               <a:t>If Saturday = the student can only login on </a:t>
             </a:r>
             <a:r>
-              <a:rPr lang="en-US" sz="1100" dirty="0" err="1" smtClean="0"/>
+              <a:rPr lang="en-US" sz="1100" dirty="0" err="1"/>
               <a:t>saturday</a:t>
             </a:r>
             <a:endParaRPr lang="en-US" sz="1100" dirty="0"/>
@@ -4524,13 +4450,6 @@
   <p:clrMapOvr>
     <a:masterClrMapping/>
   </p:clrMapOvr>
-  <p:timing>
-    <p:tnLst>
-      <p:par>
-        <p:cTn id="1" dur="indefinite" restart="never" nodeType="tmRoot"/>
-      </p:par>
-    </p:tnLst>
-  </p:timing>
 </p:sld>
 </file>
 
@@ -4652,48 +4571,48 @@
           <a:lstStyle/>
           <a:p>
             <a:r>
-              <a:rPr lang="en-US" sz="1100" dirty="0" smtClean="0"/>
+              <a:rPr lang="en-US" sz="1100" dirty="0"/>
               <a:t>Student Placer his finger on the scanner </a:t>
             </a:r>
           </a:p>
           <a:p>
             <a:r>
-              <a:rPr lang="en-US" sz="1100" dirty="0" smtClean="0"/>
+              <a:rPr lang="en-US" sz="1100" dirty="0"/>
               <a:t>Auto detect will be used</a:t>
             </a:r>
           </a:p>
           <a:p>
             <a:r>
-              <a:rPr lang="en-US" sz="1100" dirty="0" smtClean="0"/>
+              <a:rPr lang="en-US" sz="1100" dirty="0"/>
               <a:t>To detect finger prints presence </a:t>
             </a:r>
           </a:p>
           <a:p>
             <a:r>
-              <a:rPr lang="en-US" sz="1100" dirty="0" smtClean="0"/>
+              <a:rPr lang="en-US" sz="1100" dirty="0"/>
               <a:t>The finger print is captured</a:t>
             </a:r>
           </a:p>
           <a:p>
             <a:r>
-              <a:rPr lang="en-US" sz="1100" dirty="0" smtClean="0"/>
+              <a:rPr lang="en-US" sz="1100" dirty="0"/>
               <a:t>The information of the student will be displayed</a:t>
             </a:r>
           </a:p>
           <a:p>
             <a:r>
-              <a:rPr lang="en-US" sz="1100" dirty="0" smtClean="0"/>
+              <a:rPr lang="en-US" sz="1100" dirty="0"/>
               <a:t>And he will be logged in</a:t>
             </a:r>
           </a:p>
           <a:p>
             <a:r>
-              <a:rPr lang="en-US" sz="1100" dirty="0" smtClean="0"/>
+              <a:rPr lang="en-US" sz="1100" dirty="0"/>
               <a:t>Display Message Mr. you’re logged in  or Logged Out</a:t>
             </a:r>
           </a:p>
           <a:p>
-            <a:endParaRPr lang="en-US" sz="1100" dirty="0" smtClean="0"/>
+            <a:endParaRPr lang="en-US" sz="1100" dirty="0"/>
           </a:p>
           <a:p>
             <a:endParaRPr lang="en-US" sz="1100" dirty="0"/>
@@ -4737,19 +4656,19 @@
           <a:lstStyle/>
           <a:p>
             <a:r>
-              <a:rPr lang="en-US" sz="1100" dirty="0" smtClean="0"/>
+              <a:rPr lang="en-US" sz="1100" dirty="0"/>
               <a:t>If student try to login after 7:05 am  Admin must validate using his (Admin) finger print</a:t>
             </a:r>
           </a:p>
           <a:p>
             <a:r>
-              <a:rPr lang="en-US" sz="1100" dirty="0" smtClean="0"/>
+              <a:rPr lang="en-US" sz="1100" dirty="0"/>
               <a:t>Otherwise no logged in</a:t>
             </a:r>
           </a:p>
           <a:p>
             <a:r>
-              <a:rPr lang="en-US" sz="1100" dirty="0" smtClean="0"/>
+              <a:rPr lang="en-US" sz="1100" dirty="0"/>
               <a:t>This rule can be enabled or disabled</a:t>
             </a:r>
           </a:p>
@@ -4781,18 +4700,13 @@
           <a:lstStyle/>
           <a:p>
             <a:r>
-              <a:rPr lang="en-US" dirty="0" smtClean="0">
+              <a:rPr lang="en-US" dirty="0">
                 <a:solidFill>
                   <a:srgbClr val="FF0000"/>
                 </a:solidFill>
               </a:rPr>
               <a:t>The form must be maximized on the screen so student can not use the computer</a:t>
             </a:r>
-            <a:endParaRPr lang="en-US" dirty="0">
-              <a:solidFill>
-                <a:srgbClr val="FF0000"/>
-              </a:solidFill>
-            </a:endParaRPr>
           </a:p>
         </p:txBody>
       </p:sp>
@@ -4806,13 +4720,6 @@
   <p:clrMapOvr>
     <a:masterClrMapping/>
   </p:clrMapOvr>
-  <p:timing>
-    <p:tnLst>
-      <p:par>
-        <p:cTn id="1" dur="indefinite" restart="never" nodeType="tmRoot"/>
-      </p:par>
-    </p:tnLst>
-  </p:timing>
 </p:sld>
 </file>
 
@@ -4856,66 +4763,65 @@
           <a:lstStyle/>
           <a:p>
             <a:r>
-              <a:rPr lang="en-US" dirty="0" smtClean="0"/>
+              <a:rPr lang="en-US" dirty="0"/>
               <a:t>This is how the data will be saved in the table</a:t>
             </a:r>
           </a:p>
           <a:p>
             <a:r>
-              <a:rPr lang="en-US" dirty="0" err="1" smtClean="0"/>
+              <a:rPr lang="en-US" dirty="0" err="1"/>
               <a:t>Student_ID</a:t>
             </a:r>
-            <a:endParaRPr lang="en-US" dirty="0" smtClean="0"/>
-          </a:p>
-          <a:p>
-            <a:r>
-              <a:rPr lang="en-US" dirty="0" err="1" smtClean="0"/>
+            <a:endParaRPr lang="en-US" dirty="0"/>
+          </a:p>
+          <a:p>
+            <a:r>
+              <a:rPr lang="en-US" dirty="0" err="1"/>
               <a:t>Current_Date</a:t>
             </a:r>
-            <a:endParaRPr lang="en-US" dirty="0" smtClean="0"/>
-          </a:p>
-          <a:p>
-            <a:r>
-              <a:rPr lang="en-US" dirty="0" err="1" smtClean="0"/>
+            <a:endParaRPr lang="en-US" dirty="0"/>
+          </a:p>
+          <a:p>
+            <a:r>
+              <a:rPr lang="en-US" dirty="0" err="1"/>
               <a:t>Student_Name</a:t>
             </a:r>
-            <a:endParaRPr lang="en-US" dirty="0" smtClean="0"/>
-          </a:p>
-          <a:p>
-            <a:r>
-              <a:rPr lang="en-US" dirty="0" err="1" smtClean="0"/>
+            <a:endParaRPr lang="en-US" dirty="0"/>
+          </a:p>
+          <a:p>
+            <a:r>
+              <a:rPr lang="en-US" dirty="0" err="1"/>
               <a:t>Student_Phone</a:t>
             </a:r>
-            <a:endParaRPr lang="en-US" dirty="0" smtClean="0"/>
-          </a:p>
-          <a:p>
-            <a:r>
-              <a:rPr lang="en-US" dirty="0" smtClean="0"/>
+            <a:endParaRPr lang="en-US" dirty="0"/>
+          </a:p>
+          <a:p>
+            <a:r>
+              <a:rPr lang="en-US" dirty="0"/>
               <a:t>Case_Manager</a:t>
             </a:r>
           </a:p>
           <a:p>
             <a:r>
-              <a:rPr lang="en-US" dirty="0" smtClean="0"/>
+              <a:rPr lang="en-US" dirty="0"/>
               <a:t>Logged_In</a:t>
             </a:r>
           </a:p>
           <a:p>
             <a:r>
-              <a:rPr lang="en-US" dirty="0" err="1" smtClean="0"/>
+              <a:rPr lang="en-US" dirty="0" err="1"/>
               <a:t>Logged_Out</a:t>
             </a:r>
             <a:r>
-              <a:rPr lang="en-US" dirty="0" smtClean="0"/>
+              <a:rPr lang="en-US" dirty="0"/>
               <a:t> </a:t>
             </a:r>
           </a:p>
           <a:p>
             <a:r>
-              <a:rPr lang="en-US" dirty="0" smtClean="0"/>
+              <a:rPr lang="en-US" dirty="0"/>
               <a:t>Late: Yes or No (if after 7:00 am set late = Yes)</a:t>
             </a:r>
-            <a:endParaRPr lang="en-US" dirty="0"/>
           </a:p>
         </p:txBody>
       </p:sp>
